--- a/Smart Water Leakage and Theft Detection System.pptx
+++ b/Smart Water Leakage and Theft Detection System.pptx
@@ -7113,25 +7113,7 @@
                 </a:solidFill>
                 <a:latin typeface="Book Antiqua" panose="02040602050305030304" pitchFamily="16" charset="0"/>
               </a:rPr>
-              <a:t>Karthick </a:t>
-            </a:r>
-            <a:r>
-              <a:rPr lang="en-US" altLang="x-none" sz="2000" b="1" dirty="0" err="1">
-                <a:solidFill>
-                  <a:srgbClr val="681417"/>
-                </a:solidFill>
-                <a:latin typeface="Book Antiqua" panose="02040602050305030304" pitchFamily="16" charset="0"/>
-              </a:rPr>
-              <a:t>balaji</a:t>
-            </a:r>
-            <a:r>
-              <a:rPr lang="en-US" altLang="x-none" sz="2000" b="1" dirty="0">
-                <a:solidFill>
-                  <a:srgbClr val="681417"/>
-                </a:solidFill>
-                <a:latin typeface="Book Antiqua" panose="02040602050305030304" pitchFamily="16" charset="0"/>
-              </a:rPr>
-              <a:t> R</a:t>
+              <a:t>KARTHICK  BALAJI R</a:t>
             </a:r>
           </a:p>
           <a:p>
@@ -7163,7 +7145,7 @@
                 </a:solidFill>
                 <a:latin typeface="Book Antiqua" panose="02040602050305030304" pitchFamily="16" charset="0"/>
               </a:rPr>
-              <a:t>Suresh Raja </a:t>
+              <a:t>SURESHG RAJA  </a:t>
             </a:r>
           </a:p>
           <a:p>
@@ -7195,25 +7177,7 @@
                 </a:solidFill>
                 <a:latin typeface="Book Antiqua" panose="02040602050305030304" pitchFamily="16" charset="0"/>
               </a:rPr>
-              <a:t>Abubakar </a:t>
-            </a:r>
-            <a:r>
-              <a:rPr lang="en-US" altLang="x-none" sz="2000" b="1" dirty="0" err="1">
-                <a:solidFill>
-                  <a:srgbClr val="681417"/>
-                </a:solidFill>
-                <a:latin typeface="Book Antiqua" panose="02040602050305030304" pitchFamily="16" charset="0"/>
-              </a:rPr>
-              <a:t>shithik</a:t>
-            </a:r>
-            <a:r>
-              <a:rPr lang="en-US" altLang="x-none" sz="2000" b="1" dirty="0">
-                <a:solidFill>
-                  <a:srgbClr val="681417"/>
-                </a:solidFill>
-                <a:latin typeface="Book Antiqua" panose="02040602050305030304" pitchFamily="16" charset="0"/>
-              </a:rPr>
-              <a:t> S</a:t>
+              <a:t>ABUBAKARSHITHIK</a:t>
             </a:r>
           </a:p>
           <a:p>
@@ -7245,7 +7209,7 @@
                 </a:solidFill>
                 <a:latin typeface="Book Antiqua" panose="02040602050305030304" pitchFamily="16" charset="0"/>
               </a:rPr>
-              <a:t>Balaji</a:t>
+              <a:t>BALAJI</a:t>
             </a:r>
           </a:p>
           <a:p>
@@ -9388,7 +9352,7 @@
         <p:spPr>
           <a:xfrm>
             <a:off x="-5736" y="1682496"/>
-            <a:ext cx="8914786" cy="4194163"/>
+            <a:ext cx="8970224" cy="4194163"/>
           </a:xfrm>
           <a:prstGeom prst="rect">
             <a:avLst/>
@@ -9430,24 +9394,24 @@
               <a:t>Smart Water Leakage and Theft </a:t>
             </a:r>
             <a:r>
-              <a:rPr lang="en-US" sz="2000" b="1" dirty="0" err="1">
+              <a:rPr lang="en-US" sz="2000" b="1">
                 <a:solidFill>
                   <a:schemeClr val="tx1"/>
                 </a:solidFill>
                 <a:latin typeface="Times New Roman" panose="02020603050405020304" pitchFamily="18" charset="0"/>
                 <a:cs typeface="Times New Roman" panose="02020603050405020304" pitchFamily="18" charset="0"/>
               </a:rPr>
-              <a:t>Detectin</a:t>
-            </a:r>
-            <a:r>
-              <a:rPr lang="en-US" sz="2000" b="1" dirty="0">
+              <a:t>Detection</a:t>
+            </a:r>
+            <a:r>
+              <a:rPr lang="en-US" sz="2000">
                 <a:solidFill>
                   <a:schemeClr val="tx1"/>
                 </a:solidFill>
                 <a:latin typeface="Times New Roman" panose="02020603050405020304" pitchFamily="18" charset="0"/>
                 <a:cs typeface="Times New Roman" panose="02020603050405020304" pitchFamily="18" charset="0"/>
               </a:rPr>
-              <a:t>   </a:t>
+              <a:t>System</a:t>
             </a:r>
             <a:r>
               <a:rPr lang="en-US" sz="2000" dirty="0">
@@ -9457,7 +9421,7 @@
                 <a:latin typeface="Times New Roman" panose="02020603050405020304" pitchFamily="18" charset="0"/>
                 <a:cs typeface="Times New Roman" panose="02020603050405020304" pitchFamily="18" charset="0"/>
               </a:rPr>
-              <a:t>System reveals several critical issues:</a:t>
+              <a:t> reveals several critical issues:</a:t>
             </a:r>
           </a:p>
           <a:p>
